--- a/CNN Zamanov.pptx
+++ b/CNN Zamanov.pptx
@@ -261,7 +261,7 @@
             <a:fld id="{5B106E36-FD25-4E2D-B0AA-010F637433A0}" type="datetimeFigureOut">
               <a:rPr lang="ru-RU" smtClean="0"/>
               <a:pPr/>
-              <a:t>25.01.2019</a:t>
+              <a:t>23.04.2019</a:t>
             </a:fld>
             <a:endParaRPr lang="ru-RU"/>
           </a:p>
@@ -622,7 +622,7 @@
             <a:fld id="{5B106E36-FD25-4E2D-B0AA-010F637433A0}" type="datetimeFigureOut">
               <a:rPr lang="ru-RU" smtClean="0"/>
               <a:pPr/>
-              <a:t>25.01.2019</a:t>
+              <a:t>23.04.2019</a:t>
             </a:fld>
             <a:endParaRPr lang="ru-RU"/>
           </a:p>
@@ -799,7 +799,7 @@
             <a:fld id="{5B106E36-FD25-4E2D-B0AA-010F637433A0}" type="datetimeFigureOut">
               <a:rPr lang="ru-RU" smtClean="0"/>
               <a:pPr/>
-              <a:t>25.01.2019</a:t>
+              <a:t>23.04.2019</a:t>
             </a:fld>
             <a:endParaRPr lang="ru-RU"/>
           </a:p>
@@ -1036,7 +1036,7 @@
             <a:fld id="{5B106E36-FD25-4E2D-B0AA-010F637433A0}" type="datetimeFigureOut">
               <a:rPr lang="ru-RU" smtClean="0"/>
               <a:pPr/>
-              <a:t>25.01.2019</a:t>
+              <a:t>23.04.2019</a:t>
             </a:fld>
             <a:endParaRPr lang="ru-RU"/>
           </a:p>
@@ -1307,7 +1307,7 @@
             <a:fld id="{5B106E36-FD25-4E2D-B0AA-010F637433A0}" type="datetimeFigureOut">
               <a:rPr lang="ru-RU" smtClean="0"/>
               <a:pPr/>
-              <a:t>25.01.2019</a:t>
+              <a:t>23.04.2019</a:t>
             </a:fld>
             <a:endParaRPr lang="ru-RU"/>
           </a:p>
@@ -1529,7 +1529,7 @@
             <a:fld id="{5B106E36-FD25-4E2D-B0AA-010F637433A0}" type="datetimeFigureOut">
               <a:rPr lang="ru-RU" smtClean="0"/>
               <a:pPr/>
-              <a:t>25.01.2019</a:t>
+              <a:t>23.04.2019</a:t>
             </a:fld>
             <a:endParaRPr lang="ru-RU"/>
           </a:p>
@@ -1883,7 +1883,7 @@
             <a:fld id="{5B106E36-FD25-4E2D-B0AA-010F637433A0}" type="datetimeFigureOut">
               <a:rPr lang="ru-RU" smtClean="0"/>
               <a:pPr/>
-              <a:t>25.01.2019</a:t>
+              <a:t>23.04.2019</a:t>
             </a:fld>
             <a:endParaRPr lang="ru-RU"/>
           </a:p>
@@ -2117,7 +2117,7 @@
             <a:fld id="{5B106E36-FD25-4E2D-B0AA-010F637433A0}" type="datetimeFigureOut">
               <a:rPr lang="ru-RU" smtClean="0"/>
               <a:pPr/>
-              <a:t>25.01.2019</a:t>
+              <a:t>23.04.2019</a:t>
             </a:fld>
             <a:endParaRPr lang="ru-RU"/>
           </a:p>
@@ -2259,7 +2259,7 @@
             <a:fld id="{5B106E36-FD25-4E2D-B0AA-010F637433A0}" type="datetimeFigureOut">
               <a:rPr lang="ru-RU" smtClean="0"/>
               <a:pPr/>
-              <a:t>25.01.2019</a:t>
+              <a:t>23.04.2019</a:t>
             </a:fld>
             <a:endParaRPr lang="ru-RU"/>
           </a:p>
@@ -2538,7 +2538,7 @@
             <a:fld id="{5B106E36-FD25-4E2D-B0AA-010F637433A0}" type="datetimeFigureOut">
               <a:rPr lang="ru-RU" smtClean="0"/>
               <a:pPr/>
-              <a:t>25.01.2019</a:t>
+              <a:t>23.04.2019</a:t>
             </a:fld>
             <a:endParaRPr lang="ru-RU"/>
           </a:p>
@@ -2947,7 +2947,7 @@
             <a:fld id="{5B106E36-FD25-4E2D-B0AA-010F637433A0}" type="datetimeFigureOut">
               <a:rPr lang="ru-RU" smtClean="0"/>
               <a:pPr/>
-              <a:t>25.01.2019</a:t>
+              <a:t>23.04.2019</a:t>
             </a:fld>
             <a:endParaRPr lang="ru-RU"/>
           </a:p>
@@ -3287,7 +3287,7 @@
             <a:fld id="{5B106E36-FD25-4E2D-B0AA-010F637433A0}" type="datetimeFigureOut">
               <a:rPr lang="ru-RU" smtClean="0"/>
               <a:pPr/>
-              <a:t>25.01.2019</a:t>
+              <a:t>23.04.2019</a:t>
             </a:fld>
             <a:endParaRPr lang="ru-RU"/>
           </a:p>
@@ -4332,7 +4332,7 @@
           <a:blip r:embed="rId2" cstate="print">
             <a:extLst>
               <a:ext uri="{28A0092B-C50C-407E-A947-70E740481C1C}">
-                <a14:useLocalDpi xmlns="" xmlns:a14="http://schemas.microsoft.com/office/drawing/2010/main" val="0"/>
+                <a14:useLocalDpi xmlns:a14="http://schemas.microsoft.com/office/drawing/2010/main" xmlns="" val="0"/>
               </a:ext>
             </a:extLst>
           </a:blip>
@@ -4352,7 +4352,7 @@
           <a:noFill/>
           <a:extLst>
             <a:ext uri="{909E8E84-426E-40DD-AFC4-6F175D3DCCD1}">
-              <a14:hiddenFill xmlns="" xmlns:a14="http://schemas.microsoft.com/office/drawing/2010/main">
+              <a14:hiddenFill xmlns:a14="http://schemas.microsoft.com/office/drawing/2010/main" xmlns="">
                 <a:solidFill>
                   <a:srgbClr val="FFFFFF"/>
                 </a:solidFill>
@@ -4888,12 +4888,12 @@
               <a:t> сети состоит в том, что обработка участка изображения очень часто должна происходить независимо от конкретного </a:t>
             </a:r>
             <a:r>
-              <a:rPr lang="ru-RU" sz="2000" dirty="0" err="1" smtClean="0"/>
-              <a:t>располофжения</a:t>
-            </a:r>
-            <a:r>
               <a:rPr lang="ru-RU" sz="2000" dirty="0" smtClean="0"/>
-              <a:t> этого участка.</a:t>
+              <a:t>расположения </a:t>
+            </a:r>
+            <a:r>
+              <a:rPr lang="ru-RU" sz="2000" dirty="0" smtClean="0"/>
+              <a:t>этого участка.</a:t>
             </a:r>
             <a:br>
               <a:rPr lang="ru-RU" sz="2000" dirty="0" smtClean="0"/>
